--- a/Python/Lesson 05 - Python Classes (OOP)/Lesson 05 - Python Classes (OOP).pptx
+++ b/Python/Lesson 05 - Python Classes (OOP)/Lesson 05 - Python Classes (OOP).pptx
@@ -2695,7 +2695,7 @@
                 <a:latin typeface="+mn-lt"/>
                 <a:cs typeface="Arial Bold" panose="020B0704020202020204" pitchFamily="34" charset="0"/>
               </a:rPr>
-              <a:t>UNCLASSIFIED / GENERAL</a:t>
+              <a:t>UNCLASSIFIED</a:t>
             </a:r>
           </a:p>
         </p:txBody>
@@ -2747,7 +2747,7 @@
                 <a:latin typeface="+mn-lt"/>
                 <a:cs typeface="Arial Bold" panose="020B0704020202020204" pitchFamily="34" charset="0"/>
               </a:rPr>
-              <a:t>UNCLASSIFIED / GENERAL</a:t>
+              <a:t>UNCLASSIFIED</a:t>
             </a:r>
           </a:p>
         </p:txBody>
@@ -5361,15 +5361,22 @@
               <a:defRPr/>
             </a:pPr>
             <a:r>
-              <a:rPr lang="en-US" sz="700" b="1">
+              <a:rPr lang="en-US" sz="700" b="1" dirty="0">
                 <a:solidFill>
-                  <a:schemeClr val="tx1"/>
+                  <a:srgbClr val="2DAA27"/>
                 </a:solidFill>
                 <a:latin typeface="+mn-lt"/>
                 <a:cs typeface="Arial Bold" panose="020B0704020202020204" pitchFamily="34" charset="0"/>
               </a:rPr>
-              <a:t>EDIT CONTROL STATEMENT UNDER &gt; VIEW &gt; SLIDE MASTER &gt; SCROLL TO TOP &gt; CHANGE HEADER AND FOOTER</a:t>
-            </a:r>
+              <a:t>UNCLASSIFIED</a:t>
+            </a:r>
+            <a:endParaRPr lang="en-US" sz="700" b="1" dirty="0">
+              <a:solidFill>
+                <a:schemeClr val="tx1"/>
+              </a:solidFill>
+              <a:latin typeface="+mn-lt"/>
+              <a:cs typeface="Arial Bold" panose="020B0704020202020204" pitchFamily="34" charset="0"/>
+            </a:endParaRPr>
           </a:p>
         </p:txBody>
       </p:sp>
@@ -5413,15 +5420,22 @@
               <a:defRPr/>
             </a:pPr>
             <a:r>
-              <a:rPr lang="en-US" sz="700" b="1">
+              <a:rPr lang="en-US" sz="700" b="1" dirty="0">
                 <a:solidFill>
-                  <a:schemeClr val="tx1"/>
+                  <a:srgbClr val="2DAA27"/>
                 </a:solidFill>
                 <a:latin typeface="+mn-lt"/>
                 <a:cs typeface="Arial Bold" panose="020B0704020202020204" pitchFamily="34" charset="0"/>
               </a:rPr>
-              <a:t>EDIT CONTROL STATEMENT UNDER &gt; VIEW &gt; SLIDE MASTER &gt; SCROLL TO TOP &gt; CHANGE HEADER AND FOOTER</a:t>
-            </a:r>
+              <a:t>UNCLASSIFIED</a:t>
+            </a:r>
+            <a:endParaRPr lang="en-US" sz="700" b="1" dirty="0">
+              <a:solidFill>
+                <a:schemeClr val="tx1"/>
+              </a:solidFill>
+              <a:latin typeface="+mn-lt"/>
+              <a:cs typeface="Arial Bold" panose="020B0704020202020204" pitchFamily="34" charset="0"/>
+            </a:endParaRPr>
           </a:p>
         </p:txBody>
       </p:sp>
@@ -10699,18 +10713,32 @@
           </a:bodyPr>
           <a:lstStyle/>
           <a:p>
-            <a:pPr algn="ctr">
+            <a:pPr marL="0" marR="0" lvl="0" indent="0" algn="ctr" defTabSz="914400" rtl="0" eaLnBrk="1" fontAlgn="auto" latinLnBrk="0" hangingPunct="1">
+              <a:lnSpc>
+                <a:spcPct val="100000"/>
+              </a:lnSpc>
+              <a:spcBef>
+                <a:spcPts val="0"/>
+              </a:spcBef>
+              <a:spcAft>
+                <a:spcPts val="0"/>
+              </a:spcAft>
+              <a:buClrTx/>
+              <a:buSzTx/>
+              <a:buFontTx/>
+              <a:buNone/>
+              <a:tabLst/>
               <a:defRPr/>
             </a:pPr>
             <a:r>
-              <a:rPr lang="en-US" sz="700" b="1">
+              <a:rPr lang="en-US" sz="700" b="1" dirty="0">
                 <a:solidFill>
-                  <a:schemeClr val="tx1"/>
+                  <a:srgbClr val="2DAA27"/>
                 </a:solidFill>
                 <a:latin typeface="+mn-lt"/>
                 <a:cs typeface="Arial Bold" panose="020B0704020202020204" pitchFamily="34" charset="0"/>
               </a:rPr>
-              <a:t>EDIT CONTROL STATEMENT UNDER &gt; VIEW &gt; SLIDE MASTER &gt; SCROLL TO TOP &gt; CHANGE HEADER AND FOOTER</a:t>
+              <a:t>UNCLASSIFIED</a:t>
             </a:r>
           </a:p>
         </p:txBody>
@@ -10757,13 +10785,20 @@
             <a:r>
               <a:rPr lang="en-US" sz="700" b="1" dirty="0">
                 <a:solidFill>
-                  <a:schemeClr val="tx1"/>
+                  <a:srgbClr val="2DAA27"/>
                 </a:solidFill>
                 <a:latin typeface="+mn-lt"/>
                 <a:cs typeface="Arial Bold" panose="020B0704020202020204" pitchFamily="34" charset="0"/>
               </a:rPr>
-              <a:t>EDIT CONTROL STATEMENT UNDER &gt; VIEW &gt; SLIDE MASTER &gt; SCROLL TO TOP &gt; CHANGE HEADER AND FOOTER</a:t>
-            </a:r>
+              <a:t>UNCLASSIFIED</a:t>
+            </a:r>
+            <a:endParaRPr lang="en-US" sz="700" b="1" dirty="0">
+              <a:solidFill>
+                <a:schemeClr val="tx1"/>
+              </a:solidFill>
+              <a:latin typeface="+mn-lt"/>
+              <a:cs typeface="Arial Bold" panose="020B0704020202020204" pitchFamily="34" charset="0"/>
+            </a:endParaRPr>
           </a:p>
         </p:txBody>
       </p:sp>
@@ -13636,18 +13671,32 @@
           </a:bodyPr>
           <a:lstStyle/>
           <a:p>
-            <a:pPr algn="ctr">
+            <a:pPr marL="0" marR="0" lvl="0" indent="0" algn="ctr" defTabSz="914400" rtl="0" eaLnBrk="1" fontAlgn="auto" latinLnBrk="0" hangingPunct="1">
+              <a:lnSpc>
+                <a:spcPct val="100000"/>
+              </a:lnSpc>
+              <a:spcBef>
+                <a:spcPts val="0"/>
+              </a:spcBef>
+              <a:spcAft>
+                <a:spcPts val="0"/>
+              </a:spcAft>
+              <a:buClrTx/>
+              <a:buSzTx/>
+              <a:buFontTx/>
+              <a:buNone/>
+              <a:tabLst/>
               <a:defRPr/>
             </a:pPr>
             <a:r>
-              <a:rPr lang="en-US" sz="700" b="1">
+              <a:rPr lang="en-US" sz="700" b="1" dirty="0">
                 <a:solidFill>
-                  <a:schemeClr val="tx1"/>
+                  <a:srgbClr val="2DAA27"/>
                 </a:solidFill>
                 <a:latin typeface="+mn-lt"/>
                 <a:cs typeface="Arial Bold" panose="020B0704020202020204" pitchFamily="34" charset="0"/>
               </a:rPr>
-              <a:t>EDIT CONTROL STATEMENT UNDER &gt; VIEW &gt; SLIDE MASTER &gt; SCROLL TO TOP &gt; CHANGE HEADER AND FOOTER</a:t>
+              <a:t>UNCLASSIFIED</a:t>
             </a:r>
           </a:p>
         </p:txBody>
@@ -13692,15 +13741,22 @@
               <a:defRPr/>
             </a:pPr>
             <a:r>
-              <a:rPr lang="en-US" sz="700" b="1">
+              <a:rPr lang="en-US" sz="700" b="1" dirty="0">
                 <a:solidFill>
-                  <a:schemeClr val="tx1"/>
+                  <a:srgbClr val="2DAA27"/>
                 </a:solidFill>
                 <a:latin typeface="+mn-lt"/>
                 <a:cs typeface="Arial Bold" panose="020B0704020202020204" pitchFamily="34" charset="0"/>
               </a:rPr>
-              <a:t>EDIT CONTROL STATEMENT UNDER &gt; VIEW &gt; SLIDE MASTER &gt; SCROLL TO TOP &gt; CHANGE HEADER AND FOOTER</a:t>
-            </a:r>
+              <a:t>UNCLASSIFIED</a:t>
+            </a:r>
+            <a:endParaRPr lang="en-US" sz="700" b="1" dirty="0">
+              <a:solidFill>
+                <a:schemeClr val="tx1"/>
+              </a:solidFill>
+              <a:latin typeface="+mn-lt"/>
+              <a:cs typeface="Arial Bold" panose="020B0704020202020204" pitchFamily="34" charset="0"/>
+            </a:endParaRPr>
           </a:p>
         </p:txBody>
       </p:sp>
@@ -14354,15 +14410,22 @@
               <a:defRPr/>
             </a:pPr>
             <a:r>
-              <a:rPr lang="en-US" sz="700" b="1">
+              <a:rPr lang="en-US" sz="700" b="1" dirty="0">
                 <a:solidFill>
-                  <a:schemeClr val="tx1"/>
+                  <a:srgbClr val="2DAA27"/>
                 </a:solidFill>
                 <a:latin typeface="+mn-lt"/>
                 <a:cs typeface="Arial Bold" panose="020B0704020202020204" pitchFamily="34" charset="0"/>
               </a:rPr>
-              <a:t>EDIT CONTROL STATEMENT UNDER &gt; VIEW &gt; SLIDE MASTER &gt; SCROLL TO TOP &gt; CHANGE HEADER AND FOOTER</a:t>
-            </a:r>
+              <a:t>UNCLASSIFIED</a:t>
+            </a:r>
+            <a:endParaRPr lang="en-US" sz="700" b="1" dirty="0">
+              <a:solidFill>
+                <a:schemeClr val="tx1"/>
+              </a:solidFill>
+              <a:latin typeface="+mn-lt"/>
+              <a:cs typeface="Arial Bold" panose="020B0704020202020204" pitchFamily="34" charset="0"/>
+            </a:endParaRPr>
           </a:p>
         </p:txBody>
       </p:sp>
@@ -14406,14 +14469,14 @@
               <a:defRPr/>
             </a:pPr>
             <a:r>
-              <a:rPr lang="en-US" sz="700" b="1">
+              <a:rPr lang="en-US" sz="700" b="1" dirty="0">
                 <a:solidFill>
-                  <a:schemeClr val="tx1"/>
+                  <a:srgbClr val="2DAA27"/>
                 </a:solidFill>
                 <a:latin typeface="+mn-lt"/>
                 <a:cs typeface="Arial Bold" panose="020B0704020202020204" pitchFamily="34" charset="0"/>
               </a:rPr>
-              <a:t>EDIT CONTROL STATEMENT UNDER &gt; VIEW &gt; SLIDE MASTER &gt; SCROLL TO TOP &gt; CHANGE HEADER AND FOOTER</a:t>
+              <a:t>UNCLASSIFIED</a:t>
             </a:r>
           </a:p>
         </p:txBody>
@@ -14703,15 +14766,22 @@
               <a:defRPr/>
             </a:pPr>
             <a:r>
-              <a:rPr lang="en-US" sz="700" b="1">
+              <a:rPr lang="en-US" sz="700" b="1" dirty="0">
                 <a:solidFill>
-                  <a:schemeClr val="tx1"/>
+                  <a:srgbClr val="2DAA27"/>
                 </a:solidFill>
                 <a:latin typeface="+mn-lt"/>
                 <a:cs typeface="Arial Bold" panose="020B0704020202020204" pitchFamily="34" charset="0"/>
               </a:rPr>
-              <a:t>EDIT CONTROL STATEMENT UNDER &gt; VIEW &gt; SLIDE MASTER &gt; SCROLL TO TOP &gt; CHANGE HEADER AND FOOTER</a:t>
-            </a:r>
+              <a:t>UNCLASSIFIED</a:t>
+            </a:r>
+            <a:endParaRPr lang="en-US" sz="700" b="1" dirty="0">
+              <a:solidFill>
+                <a:schemeClr val="tx1"/>
+              </a:solidFill>
+              <a:latin typeface="+mn-lt"/>
+              <a:cs typeface="Arial Bold" panose="020B0704020202020204" pitchFamily="34" charset="0"/>
+            </a:endParaRPr>
           </a:p>
         </p:txBody>
       </p:sp>
@@ -14755,14 +14825,14 @@
               <a:defRPr/>
             </a:pPr>
             <a:r>
-              <a:rPr lang="en-US" sz="700" b="1">
+              <a:rPr lang="en-US" sz="700" b="1" dirty="0">
                 <a:solidFill>
-                  <a:schemeClr val="tx1"/>
+                  <a:srgbClr val="2DAA27"/>
                 </a:solidFill>
                 <a:latin typeface="+mn-lt"/>
                 <a:cs typeface="Arial Bold" panose="020B0704020202020204" pitchFamily="34" charset="0"/>
               </a:rPr>
-              <a:t>EDIT CONTROL STATEMENT UNDER &gt; VIEW &gt; SLIDE MASTER &gt; SCROLL TO TOP &gt; CHANGE HEADER AND FOOTER</a:t>
+              <a:t>UNCLASSIFIED</a:t>
             </a:r>
           </a:p>
         </p:txBody>
@@ -16775,7 +16845,7 @@
                 <a:latin typeface="+mn-lt"/>
                 <a:cs typeface="Arial Bold" panose="020B0704020202020204" pitchFamily="34" charset="0"/>
               </a:rPr>
-              <a:t>UNCLASSIFIED / GENERAL</a:t>
+              <a:t>UNCLASSIFIED</a:t>
             </a:r>
           </a:p>
         </p:txBody>
@@ -16827,7 +16897,7 @@
                 <a:latin typeface="+mn-lt"/>
                 <a:cs typeface="Arial Bold" panose="020B0704020202020204" pitchFamily="34" charset="0"/>
               </a:rPr>
-              <a:t>UNCLASSIFIED / GENERAL</a:t>
+              <a:t>UNCLASSIFIED</a:t>
             </a:r>
           </a:p>
         </p:txBody>
@@ -20324,15 +20394,22 @@
               <a:defRPr/>
             </a:pPr>
             <a:r>
-              <a:rPr lang="en-US" sz="700" b="1">
+              <a:rPr lang="en-US" sz="700" b="1" dirty="0">
                 <a:solidFill>
-                  <a:schemeClr val="tx1"/>
+                  <a:srgbClr val="2DAA27"/>
                 </a:solidFill>
                 <a:latin typeface="+mn-lt"/>
                 <a:cs typeface="Arial Bold" panose="020B0704020202020204" pitchFamily="34" charset="0"/>
               </a:rPr>
-              <a:t>EDIT CONTROL STATEMENT UNDER &gt; VIEW &gt; SLIDE MASTER &gt; SCROLL TO TOP &gt; CHANGE HEADER AND FOOTER</a:t>
-            </a:r>
+              <a:t>UNCLASSIFIED</a:t>
+            </a:r>
+            <a:endParaRPr lang="en-US" sz="700" b="1" dirty="0">
+              <a:solidFill>
+                <a:schemeClr val="tx1"/>
+              </a:solidFill>
+              <a:latin typeface="+mn-lt"/>
+              <a:cs typeface="Arial Bold" panose="020B0704020202020204" pitchFamily="34" charset="0"/>
+            </a:endParaRPr>
           </a:p>
         </p:txBody>
       </p:sp>
@@ -20376,15 +20453,22 @@
               <a:defRPr/>
             </a:pPr>
             <a:r>
-              <a:rPr lang="en-US" sz="700" b="1">
+              <a:rPr lang="en-US" sz="700" b="1" dirty="0">
                 <a:solidFill>
-                  <a:schemeClr val="tx1"/>
+                  <a:srgbClr val="2DAA27"/>
                 </a:solidFill>
                 <a:latin typeface="+mn-lt"/>
                 <a:cs typeface="Arial Bold" panose="020B0704020202020204" pitchFamily="34" charset="0"/>
               </a:rPr>
-              <a:t>EDIT CONTROL STATEMENT UNDER &gt; VIEW &gt; SLIDE MASTER &gt; SCROLL TO TOP &gt; CHANGE HEADER AND FOOTER</a:t>
-            </a:r>
+              <a:t>UNCLASSIFIED</a:t>
+            </a:r>
+            <a:endParaRPr lang="en-US" sz="700" b="1" dirty="0">
+              <a:solidFill>
+                <a:schemeClr val="tx1"/>
+              </a:solidFill>
+              <a:latin typeface="+mn-lt"/>
+              <a:cs typeface="Arial Bold" panose="020B0704020202020204" pitchFamily="34" charset="0"/>
+            </a:endParaRPr>
           </a:p>
         </p:txBody>
       </p:sp>
@@ -20558,38 +20642,37 @@
           <a:p>
             <a:pPr lvl="0"/>
             <a:r>
-              <a:rPr lang="en-US"/>
+              <a:rPr lang="en-US" dirty="0"/>
               <a:t>Click to edit Master text styles</a:t>
             </a:r>
           </a:p>
           <a:p>
             <a:pPr lvl="1"/>
             <a:r>
-              <a:rPr lang="en-US"/>
+              <a:rPr lang="en-US" dirty="0"/>
               <a:t>Second level</a:t>
             </a:r>
           </a:p>
           <a:p>
             <a:pPr lvl="2"/>
             <a:r>
-              <a:rPr lang="en-US"/>
+              <a:rPr lang="en-US" dirty="0"/>
               <a:t>Third level</a:t>
             </a:r>
           </a:p>
           <a:p>
             <a:pPr lvl="3"/>
             <a:r>
-              <a:rPr lang="en-US"/>
+              <a:rPr lang="en-US" dirty="0"/>
               <a:t>Fourth level</a:t>
             </a:r>
           </a:p>
           <a:p>
             <a:pPr lvl="4"/>
             <a:r>
-              <a:rPr lang="en-US"/>
+              <a:rPr lang="en-US" dirty="0"/>
               <a:t>Fifth level</a:t>
             </a:r>
-            <a:endParaRPr lang="en-US" dirty="0"/>
           </a:p>
         </p:txBody>
       </p:sp>
@@ -20640,7 +20723,7 @@
                 <a:latin typeface="+mn-lt"/>
                 <a:cs typeface="Arial Bold" panose="020B0704020202020204" pitchFamily="34" charset="0"/>
               </a:rPr>
-              <a:t>UNCLASSIFIED / GENERAL</a:t>
+              <a:t>UNCLASSIFIED</a:t>
             </a:r>
           </a:p>
         </p:txBody>
@@ -20692,7 +20775,7 @@
                 <a:latin typeface="+mn-lt"/>
                 <a:cs typeface="Arial Bold" panose="020B0704020202020204" pitchFamily="34" charset="0"/>
               </a:rPr>
-              <a:t>UNCLASSIFIED / GENERAL</a:t>
+              <a:t>UNCLASSIFIED</a:t>
             </a:r>
           </a:p>
         </p:txBody>
@@ -21268,16 +21351,21 @@
             <a:spLocks noGrp="1"/>
           </p:cNvSpPr>
           <p:nvPr>
-            <p:ph type="title"/>
-          </p:nvPr>
-        </p:nvSpPr>
-        <p:spPr/>
+            <p:ph type="ctrTitle"/>
+          </p:nvPr>
+        </p:nvSpPr>
+        <p:spPr>
+          <a:xfrm>
+            <a:off x="914400" y="2202820"/>
+            <a:ext cx="6724649" cy="1473830"/>
+          </a:xfrm>
+        </p:spPr>
         <p:txBody>
           <a:bodyPr/>
           <a:lstStyle/>
           <a:p>
             <a:r>
-              <a:rPr lang="en-US" sz="8000" dirty="0"/>
+              <a:rPr lang="en-US" sz="9600" dirty="0"/>
               <a:t>Classes</a:t>
             </a:r>
           </a:p>
@@ -21296,13 +21384,13 @@
             <a:spLocks noGrp="1"/>
           </p:cNvSpPr>
           <p:nvPr>
-            <p:ph type="subTitle" idx="4294967295"/>
+            <p:ph type="subTitle" idx="1"/>
           </p:nvPr>
         </p:nvSpPr>
         <p:spPr>
           <a:xfrm>
-            <a:off x="548640" y="1425034"/>
-            <a:ext cx="4505899" cy="457200"/>
+            <a:off x="914400" y="3784732"/>
+            <a:ext cx="4140199" cy="457200"/>
           </a:xfrm>
         </p:spPr>
         <p:txBody>
@@ -21314,8 +21402,13 @@
             </a:pPr>
             <a:r>
               <a:rPr lang="en-US" sz="4000" dirty="0"/>
-              <a:t>AI2C Tech Intro</a:t>
-            </a:r>
+              <a:t>AI2C </a:t>
+            </a:r>
+            <a:r>
+              <a:rPr lang="en-US" sz="4000"/>
+              <a:t>Tech Intro </a:t>
+            </a:r>
+            <a:endParaRPr lang="en-US" sz="4000" dirty="0"/>
           </a:p>
         </p:txBody>
       </p:sp>
